--- a/TecShine/TECNOLOGIA DA INFORMAÇÃO/Desenho Solução (1).pptx
+++ b/TecShine/TECNOLOGIA DA INFORMAÇÃO/Desenho Solução (1).pptx
@@ -254,7 +254,7 @@
             <a:fld id="{8D1B14B3-4E67-4017-A5AF-87E0EB3FF619}" type="datetimeFigureOut">
               <a:rPr lang="pt-BR" smtClean="0"/>
               <a:pPr/>
-              <a:t>27/09/2021</a:t>
+              <a:t>04/10/2021</a:t>
             </a:fld>
             <a:endParaRPr lang="pt-BR"/>
           </a:p>
@@ -424,7 +424,7 @@
             <a:fld id="{8D1B14B3-4E67-4017-A5AF-87E0EB3FF619}" type="datetimeFigureOut">
               <a:rPr lang="pt-BR" smtClean="0"/>
               <a:pPr/>
-              <a:t>27/09/2021</a:t>
+              <a:t>04/10/2021</a:t>
             </a:fld>
             <a:endParaRPr lang="pt-BR"/>
           </a:p>
@@ -604,7 +604,7 @@
             <a:fld id="{8D1B14B3-4E67-4017-A5AF-87E0EB3FF619}" type="datetimeFigureOut">
               <a:rPr lang="pt-BR" smtClean="0"/>
               <a:pPr/>
-              <a:t>27/09/2021</a:t>
+              <a:t>04/10/2021</a:t>
             </a:fld>
             <a:endParaRPr lang="pt-BR"/>
           </a:p>
@@ -774,7 +774,7 @@
             <a:fld id="{8D1B14B3-4E67-4017-A5AF-87E0EB3FF619}" type="datetimeFigureOut">
               <a:rPr lang="pt-BR" smtClean="0"/>
               <a:pPr/>
-              <a:t>27/09/2021</a:t>
+              <a:t>04/10/2021</a:t>
             </a:fld>
             <a:endParaRPr lang="pt-BR"/>
           </a:p>
@@ -1021,7 +1021,7 @@
             <a:fld id="{8D1B14B3-4E67-4017-A5AF-87E0EB3FF619}" type="datetimeFigureOut">
               <a:rPr lang="pt-BR" smtClean="0"/>
               <a:pPr/>
-              <a:t>27/09/2021</a:t>
+              <a:t>04/10/2021</a:t>
             </a:fld>
             <a:endParaRPr lang="pt-BR"/>
           </a:p>
@@ -1252,7 +1252,7 @@
             <a:fld id="{8D1B14B3-4E67-4017-A5AF-87E0EB3FF619}" type="datetimeFigureOut">
               <a:rPr lang="pt-BR" smtClean="0"/>
               <a:pPr/>
-              <a:t>27/09/2021</a:t>
+              <a:t>04/10/2021</a:t>
             </a:fld>
             <a:endParaRPr lang="pt-BR"/>
           </a:p>
@@ -1618,7 +1618,7 @@
             <a:fld id="{8D1B14B3-4E67-4017-A5AF-87E0EB3FF619}" type="datetimeFigureOut">
               <a:rPr lang="pt-BR" smtClean="0"/>
               <a:pPr/>
-              <a:t>27/09/2021</a:t>
+              <a:t>04/10/2021</a:t>
             </a:fld>
             <a:endParaRPr lang="pt-BR"/>
           </a:p>
@@ -1737,7 +1737,7 @@
             <a:fld id="{8D1B14B3-4E67-4017-A5AF-87E0EB3FF619}" type="datetimeFigureOut">
               <a:rPr lang="pt-BR" smtClean="0"/>
               <a:pPr/>
-              <a:t>27/09/2021</a:t>
+              <a:t>04/10/2021</a:t>
             </a:fld>
             <a:endParaRPr lang="pt-BR"/>
           </a:p>
@@ -1834,7 +1834,7 @@
             <a:fld id="{8D1B14B3-4E67-4017-A5AF-87E0EB3FF619}" type="datetimeFigureOut">
               <a:rPr lang="pt-BR" smtClean="0"/>
               <a:pPr/>
-              <a:t>27/09/2021</a:t>
+              <a:t>04/10/2021</a:t>
             </a:fld>
             <a:endParaRPr lang="pt-BR"/>
           </a:p>
@@ -2111,7 +2111,7 @@
             <a:fld id="{8D1B14B3-4E67-4017-A5AF-87E0EB3FF619}" type="datetimeFigureOut">
               <a:rPr lang="pt-BR" smtClean="0"/>
               <a:pPr/>
-              <a:t>27/09/2021</a:t>
+              <a:t>04/10/2021</a:t>
             </a:fld>
             <a:endParaRPr lang="pt-BR"/>
           </a:p>
@@ -2365,7 +2365,7 @@
             <a:fld id="{8D1B14B3-4E67-4017-A5AF-87E0EB3FF619}" type="datetimeFigureOut">
               <a:rPr lang="pt-BR" smtClean="0"/>
               <a:pPr/>
-              <a:t>27/09/2021</a:t>
+              <a:t>04/10/2021</a:t>
             </a:fld>
             <a:endParaRPr lang="pt-BR"/>
           </a:p>
@@ -2578,7 +2578,7 @@
             <a:fld id="{8D1B14B3-4E67-4017-A5AF-87E0EB3FF619}" type="datetimeFigureOut">
               <a:rPr lang="pt-BR" smtClean="0"/>
               <a:pPr/>
-              <a:t>27/09/2021</a:t>
+              <a:t>04/10/2021</a:t>
             </a:fld>
             <a:endParaRPr lang="pt-BR"/>
           </a:p>
@@ -3089,13 +3089,15 @@
       <p:cxnSp>
         <p:nvCxnSpPr>
           <p:cNvPr id="14" name="Conector de Seta Reta 13"/>
-          <p:cNvCxnSpPr/>
+          <p:cNvCxnSpPr>
+            <a:cxnSpLocks/>
+          </p:cNvCxnSpPr>
           <p:nvPr/>
         </p:nvCxnSpPr>
         <p:spPr>
           <a:xfrm>
-            <a:off x="4036423" y="3642675"/>
-            <a:ext cx="535577" cy="0"/>
+            <a:off x="3849992" y="3668110"/>
+            <a:ext cx="362156" cy="0"/>
           </a:xfrm>
           <a:prstGeom prst="straightConnector1">
             <a:avLst/>
@@ -3144,7 +3146,7 @@
         </p:blipFill>
         <p:spPr>
           <a:xfrm>
-            <a:off x="4986158" y="3394380"/>
+            <a:off x="4475542" y="3431715"/>
             <a:ext cx="609295" cy="609295"/>
           </a:xfrm>
           <a:prstGeom prst="rect">
@@ -3155,13 +3157,15 @@
       <p:cxnSp>
         <p:nvCxnSpPr>
           <p:cNvPr id="20" name="Conector de Seta Reta 19"/>
-          <p:cNvCxnSpPr/>
+          <p:cNvCxnSpPr>
+            <a:cxnSpLocks/>
+          </p:cNvCxnSpPr>
           <p:nvPr/>
         </p:nvCxnSpPr>
         <p:spPr>
           <a:xfrm>
-            <a:off x="5956663" y="3642675"/>
-            <a:ext cx="535577" cy="0"/>
+            <a:off x="5224064" y="3734088"/>
+            <a:ext cx="331580" cy="0"/>
           </a:xfrm>
           <a:prstGeom prst="straightConnector1">
             <a:avLst/>
@@ -3210,7 +3214,7 @@
         </p:blipFill>
         <p:spPr>
           <a:xfrm>
-            <a:off x="6778691" y="3116142"/>
+            <a:off x="5694959" y="3048214"/>
             <a:ext cx="1187139" cy="1187139"/>
           </a:xfrm>
           <a:prstGeom prst="rect">
@@ -3221,16 +3225,20 @@
       <p:cxnSp>
         <p:nvCxnSpPr>
           <p:cNvPr id="27" name="Conector em Curva 26"/>
-          <p:cNvCxnSpPr/>
+          <p:cNvCxnSpPr>
+            <a:cxnSpLocks/>
+          </p:cNvCxnSpPr>
           <p:nvPr/>
         </p:nvCxnSpPr>
         <p:spPr>
           <a:xfrm flipV="1">
-            <a:off x="7965830" y="1892254"/>
-            <a:ext cx="1310251" cy="1292222"/>
+            <a:off x="7963054" y="2157196"/>
+            <a:ext cx="1683605" cy="1332488"/>
           </a:xfrm>
           <a:prstGeom prst="curvedConnector3">
-            <a:avLst/>
+            <a:avLst>
+              <a:gd name="adj1" fmla="val 50000"/>
+            </a:avLst>
           </a:prstGeom>
           <a:ln>
             <a:solidFill>
@@ -3276,7 +3284,7 @@
         </p:blipFill>
         <p:spPr>
           <a:xfrm>
-            <a:off x="9560011" y="1327703"/>
+            <a:off x="9962937" y="1602481"/>
             <a:ext cx="903209" cy="903209"/>
           </a:xfrm>
           <a:prstGeom prst="rect">
@@ -3287,16 +3295,21 @@
       <p:cxnSp>
         <p:nvCxnSpPr>
           <p:cNvPr id="33" name="Conector em Curva 32"/>
-          <p:cNvCxnSpPr/>
+          <p:cNvCxnSpPr>
+            <a:cxnSpLocks/>
+            <a:stCxn id="35" idx="3"/>
+          </p:cNvCxnSpPr>
           <p:nvPr/>
         </p:nvCxnSpPr>
         <p:spPr>
           <a:xfrm>
-            <a:off x="8072845" y="4059558"/>
-            <a:ext cx="1420399" cy="1230902"/>
+            <a:off x="7939555" y="3704803"/>
+            <a:ext cx="1707104" cy="1328032"/>
           </a:xfrm>
           <a:prstGeom prst="curvedConnector3">
-            <a:avLst/>
+            <a:avLst>
+              <a:gd name="adj1" fmla="val 50000"/>
+            </a:avLst>
           </a:prstGeom>
           <a:ln>
             <a:solidFill>
@@ -3541,7 +3554,7 @@
         </p:nvCxnSpPr>
         <p:spPr>
           <a:xfrm flipV="1">
-            <a:off x="3308684" y="2833001"/>
+            <a:off x="3353072" y="2833001"/>
             <a:ext cx="0" cy="412208"/>
           </a:xfrm>
           <a:prstGeom prst="straightConnector1">
@@ -3577,7 +3590,7 @@
         </p:nvCxnSpPr>
         <p:spPr>
           <a:xfrm flipV="1">
-            <a:off x="5225872" y="2833001"/>
+            <a:off x="4715256" y="2870336"/>
             <a:ext cx="0" cy="412208"/>
           </a:xfrm>
           <a:prstGeom prst="straightConnector1">
@@ -3613,7 +3626,7 @@
         </p:nvSpPr>
         <p:spPr>
           <a:xfrm>
-            <a:off x="6258651" y="4896721"/>
+            <a:off x="5174919" y="4828795"/>
             <a:ext cx="2227218" cy="461665"/>
           </a:xfrm>
           <a:prstGeom prst="rect">
@@ -3643,7 +3656,7 @@
         </p:nvSpPr>
         <p:spPr>
           <a:xfrm>
-            <a:off x="6284773" y="4870592"/>
+            <a:off x="5201041" y="4802666"/>
             <a:ext cx="2227218" cy="530349"/>
           </a:xfrm>
           <a:prstGeom prst="rect">
@@ -3689,7 +3702,7 @@
         </p:nvCxnSpPr>
         <p:spPr>
           <a:xfrm>
-            <a:off x="7372260" y="4439550"/>
+            <a:off x="6288528" y="4371624"/>
             <a:ext cx="0" cy="305889"/>
           </a:xfrm>
           <a:prstGeom prst="straightConnector1">
@@ -3725,7 +3738,7 @@
         </p:nvSpPr>
         <p:spPr>
           <a:xfrm>
-            <a:off x="8977595" y="2376737"/>
+            <a:off x="9285330" y="2607935"/>
             <a:ext cx="2421813" cy="778953"/>
           </a:xfrm>
           <a:prstGeom prst="rect">
@@ -3773,7 +3786,7 @@
         </p:nvSpPr>
         <p:spPr>
           <a:xfrm>
-            <a:off x="8977596" y="2459285"/>
+            <a:off x="9285331" y="2690483"/>
             <a:ext cx="2258422" cy="646331"/>
           </a:xfrm>
           <a:prstGeom prst="rect">
@@ -4113,6 +4126,86 @@
           <a:xfrm flipV="1">
             <a:off x="1264536" y="1275870"/>
             <a:ext cx="0" cy="412208"/>
+          </a:xfrm>
+          <a:prstGeom prst="straightConnector1">
+            <a:avLst/>
+          </a:prstGeom>
+          <a:ln>
+            <a:solidFill>
+              <a:schemeClr val="tx1"/>
+            </a:solidFill>
+            <a:tailEnd type="triangle"/>
+          </a:ln>
+        </p:spPr>
+        <p:style>
+          <a:lnRef idx="1">
+            <a:schemeClr val="accent1"/>
+          </a:lnRef>
+          <a:fillRef idx="0">
+            <a:schemeClr val="accent1"/>
+          </a:fillRef>
+          <a:effectRef idx="0">
+            <a:schemeClr val="accent1"/>
+          </a:effectRef>
+          <a:fontRef idx="minor">
+            <a:schemeClr val="tx1"/>
+          </a:fontRef>
+        </p:style>
+      </p:cxnSp>
+      <p:pic>
+        <p:nvPicPr>
+          <p:cNvPr id="35" name="Imagem 34">
+            <a:extLst>
+              <a:ext uri="{FF2B5EF4-FFF2-40B4-BE49-F238E27FC236}">
+                <a16:creationId xmlns:a16="http://schemas.microsoft.com/office/drawing/2014/main" id="{FE90F203-C2A9-4B63-BE63-6346D90CB6D5}"/>
+              </a:ext>
+            </a:extLst>
+          </p:cNvPr>
+          <p:cNvPicPr>
+            <a:picLocks noChangeAspect="1"/>
+          </p:cNvPicPr>
+          <p:nvPr/>
+        </p:nvPicPr>
+        <p:blipFill>
+          <a:blip r:embed="rId2">
+            <a:extLst>
+              <a:ext uri="{28A0092B-C50C-407E-A947-70E740481C1C}">
+                <a14:useLocalDpi xmlns:a14="http://schemas.microsoft.com/office/drawing/2010/main" val="0"/>
+              </a:ext>
+            </a:extLst>
+          </a:blip>
+          <a:stretch>
+            <a:fillRect/>
+          </a:stretch>
+        </p:blipFill>
+        <p:spPr>
+          <a:xfrm>
+            <a:off x="7375980" y="3423015"/>
+            <a:ext cx="563575" cy="563575"/>
+          </a:xfrm>
+          <a:prstGeom prst="rect">
+            <a:avLst/>
+          </a:prstGeom>
+        </p:spPr>
+      </p:pic>
+      <p:cxnSp>
+        <p:nvCxnSpPr>
+          <p:cNvPr id="39" name="Conector de Seta Reta 38">
+            <a:extLst>
+              <a:ext uri="{FF2B5EF4-FFF2-40B4-BE49-F238E27FC236}">
+                <a16:creationId xmlns:a16="http://schemas.microsoft.com/office/drawing/2014/main" id="{7441814E-8B05-481B-AE1F-634EA61EDF3C}"/>
+              </a:ext>
+            </a:extLst>
+          </p:cNvPr>
+          <p:cNvCxnSpPr>
+            <a:cxnSpLocks/>
+          </p:cNvCxnSpPr>
+          <p:nvPr/>
+        </p:nvCxnSpPr>
+        <p:spPr>
+          <a:xfrm flipV="1">
+            <a:off x="6990587" y="3734088"/>
+            <a:ext cx="271347" cy="1138"/>
           </a:xfrm>
           <a:prstGeom prst="straightConnector1">
             <a:avLst/>
@@ -4647,42 +4740,6 @@
           </a:fontRef>
         </p:style>
       </p:cxnSp>
-      <p:cxnSp>
-        <p:nvCxnSpPr>
-          <p:cNvPr id="16" name="Conector de Seta Reta 15"/>
-          <p:cNvCxnSpPr/>
-          <p:nvPr/>
-        </p:nvCxnSpPr>
-        <p:spPr>
-          <a:xfrm flipH="1" flipV="1">
-            <a:off x="10750893" y="2177632"/>
-            <a:ext cx="1" cy="657296"/>
-          </a:xfrm>
-          <a:prstGeom prst="straightConnector1">
-            <a:avLst/>
-          </a:prstGeom>
-          <a:ln>
-            <a:solidFill>
-              <a:schemeClr val="tx1"/>
-            </a:solidFill>
-            <a:tailEnd type="triangle"/>
-          </a:ln>
-        </p:spPr>
-        <p:style>
-          <a:lnRef idx="1">
-            <a:schemeClr val="accent1"/>
-          </a:lnRef>
-          <a:fillRef idx="0">
-            <a:schemeClr val="accent1"/>
-          </a:fillRef>
-          <a:effectRef idx="0">
-            <a:schemeClr val="accent1"/>
-          </a:effectRef>
-          <a:fontRef idx="minor">
-            <a:schemeClr val="tx1"/>
-          </a:fontRef>
-        </p:style>
-      </p:cxnSp>
       <p:sp>
         <p:nvSpPr>
           <p:cNvPr id="22" name="CaixaDeTexto 21"/>
@@ -4805,8 +4862,8 @@
         </p:nvSpPr>
         <p:spPr>
           <a:xfrm>
-            <a:off x="9576833" y="4843178"/>
-            <a:ext cx="2205533" cy="646331"/>
+            <a:off x="9331565" y="4843178"/>
+            <a:ext cx="2450801" cy="830997"/>
           </a:xfrm>
           <a:prstGeom prst="rect">
             <a:avLst/>
@@ -4826,9 +4883,46 @@
           <a:p>
             <a:pPr algn="ctr"/>
             <a:r>
-              <a:rPr lang="pt-BR" sz="1200" dirty="0"/>
-              <a:t>Computador com especificações simples para acesso à plataforma</a:t>
-            </a:r>
+              <a:rPr lang="pt-BR" sz="1200" b="0" i="0" dirty="0">
+                <a:solidFill>
+                  <a:srgbClr val="404040"/>
+                </a:solidFill>
+                <a:effectLst/>
+                <a:latin typeface="arial" panose="020B0604020202020204" pitchFamily="34" charset="0"/>
+              </a:rPr>
+              <a:t>Computador Completo PC CPU Monitor 19.5” HDMI Intel Core i3 6GB HD 500GB com teclado e mouse Desktop </a:t>
+            </a:r>
+            <a:r>
+              <a:rPr lang="pt-BR" sz="1200" b="0" i="0" dirty="0" err="1">
+                <a:solidFill>
+                  <a:srgbClr val="404040"/>
+                </a:solidFill>
+                <a:effectLst/>
+                <a:latin typeface="arial" panose="020B0604020202020204" pitchFamily="34" charset="0"/>
+              </a:rPr>
+              <a:t>Wifi</a:t>
+            </a:r>
+            <a:r>
+              <a:rPr lang="pt-BR" sz="1200" b="0" i="0" dirty="0">
+                <a:solidFill>
+                  <a:srgbClr val="404040"/>
+                </a:solidFill>
+                <a:effectLst/>
+                <a:latin typeface="arial" panose="020B0604020202020204" pitchFamily="34" charset="0"/>
+              </a:rPr>
+              <a:t> </a:t>
+            </a:r>
+            <a:r>
+              <a:rPr lang="pt-BR" sz="1200" b="0" i="0" dirty="0" err="1">
+                <a:solidFill>
+                  <a:srgbClr val="404040"/>
+                </a:solidFill>
+                <a:effectLst/>
+                <a:latin typeface="arial" panose="020B0604020202020204" pitchFamily="34" charset="0"/>
+              </a:rPr>
+              <a:t>CorPC</a:t>
+            </a:r>
+            <a:endParaRPr lang="pt-BR" sz="1200" dirty="0"/>
           </a:p>
         </p:txBody>
       </p:sp>
@@ -5177,8 +5271,8 @@
         </p:blipFill>
         <p:spPr bwMode="auto">
           <a:xfrm>
-            <a:off x="9834193" y="1318301"/>
-            <a:ext cx="1802222" cy="740669"/>
+            <a:off x="5329074" y="4691286"/>
+            <a:ext cx="1440536" cy="592025"/>
           </a:xfrm>
           <a:prstGeom prst="rect">
             <a:avLst/>
@@ -5271,8 +5365,8 @@
         </p:blipFill>
         <p:spPr bwMode="auto">
           <a:xfrm>
-            <a:off x="5333127" y="4721669"/>
-            <a:ext cx="1333156" cy="924288"/>
+            <a:off x="5564796" y="5693931"/>
+            <a:ext cx="1082894" cy="750779"/>
           </a:xfrm>
           <a:prstGeom prst="rect">
             <a:avLst/>
@@ -5601,7 +5695,7 @@
         <p:spPr>
           <a:xfrm>
             <a:off x="6846861" y="2034836"/>
-            <a:ext cx="3349870" cy="994827"/>
+            <a:ext cx="3371337" cy="1142619"/>
           </a:xfrm>
           <a:prstGeom prst="bentConnector3">
             <a:avLst>
@@ -5613,6 +5707,50 @@
               <a:schemeClr val="tx1"/>
             </a:solidFill>
             <a:headEnd type="triangle"/>
+            <a:tailEnd type="triangle"/>
+          </a:ln>
+        </p:spPr>
+        <p:style>
+          <a:lnRef idx="1">
+            <a:schemeClr val="accent1"/>
+          </a:lnRef>
+          <a:fillRef idx="0">
+            <a:schemeClr val="accent1"/>
+          </a:fillRef>
+          <a:effectRef idx="0">
+            <a:schemeClr val="accent1"/>
+          </a:effectRef>
+          <a:fontRef idx="minor">
+            <a:schemeClr val="tx1"/>
+          </a:fontRef>
+        </p:style>
+      </p:cxnSp>
+      <p:cxnSp>
+        <p:nvCxnSpPr>
+          <p:cNvPr id="43" name="Conector de Seta Reta 42">
+            <a:extLst>
+              <a:ext uri="{FF2B5EF4-FFF2-40B4-BE49-F238E27FC236}">
+                <a16:creationId xmlns:a16="http://schemas.microsoft.com/office/drawing/2014/main" id="{34D75C06-CFA0-4BAC-BE21-83CB25A2A432}"/>
+              </a:ext>
+            </a:extLst>
+          </p:cNvPr>
+          <p:cNvCxnSpPr>
+            <a:cxnSpLocks/>
+          </p:cNvCxnSpPr>
+          <p:nvPr/>
+        </p:nvCxnSpPr>
+        <p:spPr>
+          <a:xfrm>
+            <a:off x="6062227" y="5392096"/>
+            <a:ext cx="0" cy="331525"/>
+          </a:xfrm>
+          <a:prstGeom prst="straightConnector1">
+            <a:avLst/>
+          </a:prstGeom>
+          <a:ln>
+            <a:solidFill>
+              <a:schemeClr val="tx1"/>
+            </a:solidFill>
             <a:tailEnd type="triangle"/>
           </a:ln>
         </p:spPr>
